--- a/10|2-6/2023-10-4/goi-current.pptx
+++ b/10|2-6/2023-10-4/goi-current.pptx
@@ -2144,7 +2144,7 @@
                   <a:srgbClr val="000000"/>
                 </a:solidFill>
               </a:rPr>
-              <a:t>反論</a:t>
+              <a:t>タンパク質</a:t>
             </a:r>
             <a:endParaRPr lang="en-US" sz="4800" dirty="0"/>
           </a:p>
@@ -2158,7 +2158,7 @@
                   <a:srgbClr val="000000"/>
                 </a:solidFill>
               </a:rPr>
-              <a:t>はんろん</a:t>
+              <a:t>タンパクしつ</a:t>
             </a:r>
             <a:endParaRPr lang="en-US" sz="4800" dirty="0"/>
           </a:p>
@@ -2194,7 +2194,7 @@
                   <a:srgbClr val="000000"/>
                 </a:solidFill>
               </a:rPr>
-              <a:t>objection, refutation, rebuttal, counterargument...</a:t>
+              <a:t>protein...</a:t>
             </a:r>
             <a:endParaRPr lang="en-US" sz="3600" dirty="0"/>
           </a:p>
@@ -2230,7 +2230,7 @@
                   <a:srgbClr val="000000"/>
                 </a:solidFill>
               </a:rPr>
-              <a:t>496-510</a:t>
+              <a:t>481-495</a:t>
             </a:r>
             <a:endParaRPr lang="en-US" sz="2400" dirty="0"/>
           </a:p>
@@ -2291,7 +2291,7 @@
                   <a:srgbClr val="000000"/>
                 </a:solidFill>
               </a:rPr>
-              <a:t>大</a:t>
+              <a:t>形成</a:t>
             </a:r>
             <a:endParaRPr lang="en-US" sz="4800" dirty="0"/>
           </a:p>
@@ -2305,7 +2305,7 @@
                   <a:srgbClr val="000000"/>
                 </a:solidFill>
               </a:rPr>
-              <a:t>だい</a:t>
+              <a:t>けいせい</a:t>
             </a:r>
             <a:endParaRPr lang="en-US" sz="4800" dirty="0"/>
           </a:p>
@@ -2341,7 +2341,7 @@
                   <a:srgbClr val="000000"/>
                 </a:solidFill>
               </a:rPr>
-              <a:t>large, big, great, huge, vast, major, important, serious, severe | great, prominent, eminent, distinguished | -sized, as ...</a:t>
+              <a:t>formation, molding, making up, taking form, giving form to | repair (e.g. plastic surgery), replacement, -plasty...</a:t>
             </a:r>
             <a:endParaRPr lang="en-US" sz="3600" dirty="0"/>
           </a:p>
@@ -2377,7 +2377,7 @@
                   <a:srgbClr val="000000"/>
                 </a:solidFill>
               </a:rPr>
-              <a:t>496-510</a:t>
+              <a:t>481-495</a:t>
             </a:r>
             <a:endParaRPr lang="en-US" sz="2400" dirty="0"/>
           </a:p>
@@ -2438,7 +2438,7 @@
                   <a:srgbClr val="000000"/>
                 </a:solidFill>
               </a:rPr>
-              <a:t>付く</a:t>
+              <a:t>役に立つ</a:t>
             </a:r>
             <a:endParaRPr lang="en-US" sz="4800" dirty="0"/>
           </a:p>
@@ -2452,7 +2452,7 @@
                   <a:srgbClr val="000000"/>
                 </a:solidFill>
               </a:rPr>
-              <a:t>つく</a:t>
+              <a:t>やくにたつ</a:t>
             </a:r>
             <a:endParaRPr lang="en-US" sz="4800" dirty="0"/>
           </a:p>
@@ -2488,7 +2488,7 @@
                   <a:srgbClr val="000000"/>
                 </a:solidFill>
               </a:rPr>
-              <a:t>to be attached, to be connected with, to adhere, to stick, to cling | to remain imprinted, to scar, to stain, to dye | to...</a:t>
+              <a:t>to be helpful, to be useful...</a:t>
             </a:r>
             <a:endParaRPr lang="en-US" sz="3600" dirty="0"/>
           </a:p>
@@ -2524,7 +2524,7 @@
                   <a:srgbClr val="000000"/>
                 </a:solidFill>
               </a:rPr>
-              <a:t>496-510</a:t>
+              <a:t>481-495</a:t>
             </a:r>
             <a:endParaRPr lang="en-US" sz="2400" dirty="0"/>
           </a:p>
@@ -2585,7 +2585,7 @@
                   <a:srgbClr val="000000"/>
                 </a:solidFill>
               </a:rPr>
-              <a:t>土地</a:t>
+              <a:t>確か</a:t>
             </a:r>
             <a:endParaRPr lang="en-US" sz="4800" dirty="0"/>
           </a:p>
@@ -2599,7 +2599,7 @@
                   <a:srgbClr val="000000"/>
                 </a:solidFill>
               </a:rPr>
-              <a:t>とち</a:t>
+              <a:t>たしか</a:t>
             </a:r>
             <a:endParaRPr lang="en-US" sz="4800" dirty="0"/>
           </a:p>
@@ -2635,7 +2635,7 @@
                   <a:srgbClr val="000000"/>
                 </a:solidFill>
               </a:rPr>
-              <a:t>plot of land, lot, soil | locality, region, place...</a:t>
+              <a:t>sure, certain, positive, definite | reliable, trustworthy, safe, sound, firm, accurate, correct, exact | If I'm not mista...</a:t>
             </a:r>
             <a:endParaRPr lang="en-US" sz="3600" dirty="0"/>
           </a:p>
@@ -2671,7 +2671,7 @@
                   <a:srgbClr val="000000"/>
                 </a:solidFill>
               </a:rPr>
-              <a:t>496-510</a:t>
+              <a:t>481-495</a:t>
             </a:r>
             <a:endParaRPr lang="en-US" sz="2400" dirty="0"/>
           </a:p>
@@ -2732,7 +2732,7 @@
                   <a:srgbClr val="000000"/>
                 </a:solidFill>
               </a:rPr>
-              <a:t>農作物</a:t>
+              <a:t>学力</a:t>
             </a:r>
             <a:endParaRPr lang="en-US" sz="4800" dirty="0"/>
           </a:p>
@@ -2746,7 +2746,7 @@
                   <a:srgbClr val="000000"/>
                 </a:solidFill>
               </a:rPr>
-              <a:t>のうさくぶつ</a:t>
+              <a:t>がくりょく</a:t>
             </a:r>
             <a:endParaRPr lang="en-US" sz="4800" dirty="0"/>
           </a:p>
@@ -2782,7 +2782,7 @@
                   <a:srgbClr val="000000"/>
                 </a:solidFill>
               </a:rPr>
-              <a:t>crops, agricultural produce...</a:t>
+              <a:t>scholarly ability, scholarship, knowledge, literary ability...</a:t>
             </a:r>
             <a:endParaRPr lang="en-US" sz="3600" dirty="0"/>
           </a:p>
@@ -2818,7 +2818,7 @@
                   <a:srgbClr val="000000"/>
                 </a:solidFill>
               </a:rPr>
-              <a:t>496-510</a:t>
+              <a:t>481-495</a:t>
             </a:r>
             <a:endParaRPr lang="en-US" sz="2400" dirty="0"/>
           </a:p>
@@ -2879,7 +2879,7 @@
                   <a:srgbClr val="000000"/>
                 </a:solidFill>
               </a:rPr>
-              <a:t>矢張り</a:t>
+              <a:t>面</a:t>
             </a:r>
             <a:endParaRPr lang="en-US" sz="4800" dirty="0"/>
           </a:p>
@@ -2893,7 +2893,7 @@
                   <a:srgbClr val="000000"/>
                 </a:solidFill>
               </a:rPr>
-              <a:t>やはり</a:t>
+              <a:t>めん</a:t>
             </a:r>
             <a:endParaRPr lang="en-US" sz="4800" dirty="0"/>
           </a:p>
@@ -2929,7 +2929,7 @@
                   <a:srgbClr val="000000"/>
                 </a:solidFill>
               </a:rPr>
-              <a:t>as expected, sure enough, just as one thought | after all (is said and done), in the end, as one would expect, in any cas...</a:t>
+              <a:t>face | mask, face guard | (in kendo) striking the head | surface (esp. a geometrical surface) | page | aspect, facet, sid...</a:t>
             </a:r>
             <a:endParaRPr lang="en-US" sz="3600" dirty="0"/>
           </a:p>
@@ -2965,7 +2965,7 @@
                   <a:srgbClr val="000000"/>
                 </a:solidFill>
               </a:rPr>
-              <a:t>496-510</a:t>
+              <a:t>481-495</a:t>
             </a:r>
             <a:endParaRPr lang="en-US" sz="2400" dirty="0"/>
           </a:p>
@@ -3026,7 +3026,7 @@
                   <a:srgbClr val="000000"/>
                 </a:solidFill>
               </a:rPr>
-              <a:t>頼る</a:t>
+              <a:t>性</a:t>
             </a:r>
             <a:endParaRPr lang="en-US" sz="4800" dirty="0"/>
           </a:p>
@@ -3040,7 +3040,7 @@
                   <a:srgbClr val="000000"/>
                 </a:solidFill>
               </a:rPr>
-              <a:t>たよる</a:t>
+              <a:t>せい</a:t>
             </a:r>
             <a:endParaRPr lang="en-US" sz="4800" dirty="0"/>
           </a:p>
@@ -3076,7 +3076,7 @@
                   <a:srgbClr val="000000"/>
                 </a:solidFill>
               </a:rPr>
-              <a:t>to rely on, to depend on, to count on, to turn to (for help)...</a:t>
+              <a:t>nature (of a person) | sex, gender | sex (i.e. sexual attraction, activity, etc.) | gender | -ty, -ity, -ness, -cy...</a:t>
             </a:r>
             <a:endParaRPr lang="en-US" sz="3600" dirty="0"/>
           </a:p>
@@ -3112,7 +3112,7 @@
                   <a:srgbClr val="000000"/>
                 </a:solidFill>
               </a:rPr>
-              <a:t>496-510</a:t>
+              <a:t>481-495</a:t>
             </a:r>
             <a:endParaRPr lang="en-US" sz="2400" dirty="0"/>
           </a:p>
@@ -3173,7 +3173,7 @@
                   <a:srgbClr val="000000"/>
                 </a:solidFill>
               </a:rPr>
-              <a:t>結論</a:t>
+              <a:t>適応</a:t>
             </a:r>
             <a:endParaRPr lang="en-US" sz="4800" dirty="0"/>
           </a:p>
@@ -3187,7 +3187,7 @@
                   <a:srgbClr val="000000"/>
                 </a:solidFill>
               </a:rPr>
-              <a:t>けつろん</a:t>
+              <a:t>てきおう</a:t>
             </a:r>
             <a:endParaRPr lang="en-US" sz="4800" dirty="0"/>
           </a:p>
@@ -3223,7 +3223,7 @@
                   <a:srgbClr val="000000"/>
                 </a:solidFill>
               </a:rPr>
-              <a:t>conclusion (of an argument, discussion, study, etc.) | conclusion...</a:t>
+              <a:t>adaptation, accommodation, conformity...</a:t>
             </a:r>
             <a:endParaRPr lang="en-US" sz="3600" dirty="0"/>
           </a:p>
@@ -3259,7 +3259,7 @@
                   <a:srgbClr val="000000"/>
                 </a:solidFill>
               </a:rPr>
-              <a:t>496-510</a:t>
+              <a:t>481-495</a:t>
             </a:r>
             <a:endParaRPr lang="en-US" sz="2400" dirty="0"/>
           </a:p>
@@ -3320,7 +3320,7 @@
                   <a:srgbClr val="000000"/>
                 </a:solidFill>
               </a:rPr>
-              <a:t>賛否</a:t>
+              <a:t>犯罪</a:t>
             </a:r>
             <a:endParaRPr lang="en-US" sz="4800" dirty="0"/>
           </a:p>
@@ -3334,7 +3334,7 @@
                   <a:srgbClr val="000000"/>
                 </a:solidFill>
               </a:rPr>
-              <a:t>さんぴ</a:t>
+              <a:t>はんざい</a:t>
             </a:r>
             <a:endParaRPr lang="en-US" sz="4800" dirty="0"/>
           </a:p>
@@ -3370,7 +3370,7 @@
                   <a:srgbClr val="000000"/>
                 </a:solidFill>
               </a:rPr>
-              <a:t>yes and no, for and against...</a:t>
+              <a:t>crime, offence, offense...</a:t>
             </a:r>
             <a:endParaRPr lang="en-US" sz="3600" dirty="0"/>
           </a:p>
@@ -3406,7 +3406,7 @@
                   <a:srgbClr val="000000"/>
                 </a:solidFill>
               </a:rPr>
-              <a:t>496-510</a:t>
+              <a:t>481-495</a:t>
             </a:r>
             <a:endParaRPr lang="en-US" sz="2400" dirty="0"/>
           </a:p>
@@ -3467,7 +3467,7 @@
                   <a:srgbClr val="000000"/>
                 </a:solidFill>
               </a:rPr>
-              <a:t>利点</a:t>
+              <a:t>本質</a:t>
             </a:r>
             <a:endParaRPr lang="en-US" sz="4800" dirty="0"/>
           </a:p>
@@ -3481,7 +3481,7 @@
                   <a:srgbClr val="000000"/>
                 </a:solidFill>
               </a:rPr>
-              <a:t>りてん</a:t>
+              <a:t>ほんしつ</a:t>
             </a:r>
             <a:endParaRPr lang="en-US" sz="4800" dirty="0"/>
           </a:p>
@@ -3517,7 +3517,7 @@
                   <a:srgbClr val="000000"/>
                 </a:solidFill>
               </a:rPr>
-              <a:t>advantage, point in favor, point in favour...</a:t>
+              <a:t>essence, true nature, substance, reality...</a:t>
             </a:r>
             <a:endParaRPr lang="en-US" sz="3600" dirty="0"/>
           </a:p>
@@ -3553,7 +3553,7 @@
                   <a:srgbClr val="000000"/>
                 </a:solidFill>
               </a:rPr>
-              <a:t>496-510</a:t>
+              <a:t>481-495</a:t>
             </a:r>
             <a:endParaRPr lang="en-US" sz="2400" dirty="0"/>
           </a:p>
@@ -3614,7 +3614,7 @@
                   <a:srgbClr val="000000"/>
                 </a:solidFill>
               </a:rPr>
-              <a:t>サポート</a:t>
+              <a:t>まあ</a:t>
             </a:r>
             <a:endParaRPr lang="en-US" sz="4800" dirty="0"/>
           </a:p>
@@ -3664,7 +3664,7 @@
                   <a:srgbClr val="000000"/>
                 </a:solidFill>
               </a:rPr>
-              <a:t>support...</a:t>
+              <a:t>just (e.g. ""just wait here""), come now, now, now | tolerably, passably, moderately, reasonably, fairly, rather, somewha...</a:t>
             </a:r>
             <a:endParaRPr lang="en-US" sz="3600" dirty="0"/>
           </a:p>
@@ -3700,7 +3700,7 @@
                   <a:srgbClr val="000000"/>
                 </a:solidFill>
               </a:rPr>
-              <a:t>496-510</a:t>
+              <a:t>481-495</a:t>
             </a:r>
             <a:endParaRPr lang="en-US" sz="2400" dirty="0"/>
           </a:p>
@@ -3761,7 +3761,7 @@
                   <a:srgbClr val="000000"/>
                 </a:solidFill>
               </a:rPr>
-              <a:t>言い換える</a:t>
+              <a:t>形式</a:t>
             </a:r>
             <a:endParaRPr lang="en-US" sz="4800" dirty="0"/>
           </a:p>
@@ -3775,7 +3775,7 @@
                   <a:srgbClr val="000000"/>
                 </a:solidFill>
               </a:rPr>
-              <a:t>いいかえる</a:t>
+              <a:t>けいしき</a:t>
             </a:r>
             <a:endParaRPr lang="en-US" sz="4800" dirty="0"/>
           </a:p>
@@ -3811,7 +3811,7 @@
                   <a:srgbClr val="000000"/>
                 </a:solidFill>
               </a:rPr>
-              <a:t>to say in other words, to put another way, to express in different words, to reword, to rephrase...</a:t>
+              <a:t>form (as opposed to substance) | format, form, style, manner | formality, form | mode, form | form (bilinear, quadratic, ...</a:t>
             </a:r>
             <a:endParaRPr lang="en-US" sz="3600" dirty="0"/>
           </a:p>
@@ -3847,7 +3847,7 @@
                   <a:srgbClr val="000000"/>
                 </a:solidFill>
               </a:rPr>
-              <a:t>496-510</a:t>
+              <a:t>481-495</a:t>
             </a:r>
             <a:endParaRPr lang="en-US" sz="2400" dirty="0"/>
           </a:p>
@@ -3908,7 +3908,7 @@
                   <a:srgbClr val="000000"/>
                 </a:solidFill>
               </a:rPr>
-              <a:t>レベル</a:t>
+              <a:t>テーマ</a:t>
             </a:r>
             <a:endParaRPr lang="en-US" sz="4800" dirty="0"/>
           </a:p>
@@ -3958,7 +3958,7 @@
                   <a:srgbClr val="000000"/>
                 </a:solidFill>
               </a:rPr>
-              <a:t>level, standard, amount, degree, grade, rank, class | level (plane), floor, storey (story), layer, stratum | spirit level...</a:t>
+              <a:t>theme, topic, subject matter, motif, project, slogan...</a:t>
             </a:r>
             <a:endParaRPr lang="en-US" sz="3600" dirty="0"/>
           </a:p>
@@ -3994,7 +3994,7 @@
                   <a:srgbClr val="000000"/>
                 </a:solidFill>
               </a:rPr>
-              <a:t>496-510</a:t>
+              <a:t>481-495</a:t>
             </a:r>
             <a:endParaRPr lang="en-US" sz="2400" dirty="0"/>
           </a:p>
@@ -4055,7 +4055,7 @@
                   <a:srgbClr val="000000"/>
                 </a:solidFill>
               </a:rPr>
-              <a:t>強調</a:t>
+              <a:t>平成</a:t>
             </a:r>
             <a:endParaRPr lang="en-US" sz="4800" dirty="0"/>
           </a:p>
@@ -4069,7 +4069,7 @@
                   <a:srgbClr val="000000"/>
                 </a:solidFill>
               </a:rPr>
-              <a:t>きょうちょう</a:t>
+              <a:t>へいせい</a:t>
             </a:r>
             <a:endParaRPr lang="en-US" sz="4800" dirty="0"/>
           </a:p>
@@ -4105,7 +4105,7 @@
                   <a:srgbClr val="000000"/>
                 </a:solidFill>
               </a:rPr>
-              <a:t>emphasis, stress, highlighting, underlining, underscoring | accentuating (a feature or certain part), accenting | strong ...</a:t>
+              <a:t>Heisei era (1989.1.8-2019.4.30)...</a:t>
             </a:r>
             <a:endParaRPr lang="en-US" sz="3600" dirty="0"/>
           </a:p>
@@ -4141,7 +4141,7 @@
                   <a:srgbClr val="000000"/>
                 </a:solidFill>
               </a:rPr>
-              <a:t>496-510</a:t>
+              <a:t>481-495</a:t>
             </a:r>
             <a:endParaRPr lang="en-US" sz="2400" dirty="0"/>
           </a:p>
@@ -4202,7 +4202,7 @@
                   <a:srgbClr val="000000"/>
                 </a:solidFill>
               </a:rPr>
-              <a:t>部分</a:t>
+              <a:t>年度</a:t>
             </a:r>
             <a:endParaRPr lang="en-US" sz="4800" dirty="0"/>
           </a:p>
@@ -4216,7 +4216,7 @@
                   <a:srgbClr val="000000"/>
                 </a:solidFill>
               </a:rPr>
-              <a:t>ぶぶん</a:t>
+              <a:t>ねんど</a:t>
             </a:r>
             <a:endParaRPr lang="en-US" sz="4800" dirty="0"/>
           </a:p>
@@ -4252,7 +4252,7 @@
                   <a:srgbClr val="000000"/>
                 </a:solidFill>
               </a:rPr>
-              <a:t>portion, section, part...</a:t>
+              <a:t>fiscal year (usu. April 1 to March 31 in Japan), financial year | academic year, school year | product year...</a:t>
             </a:r>
             <a:endParaRPr lang="en-US" sz="3600" dirty="0"/>
           </a:p>
@@ -4288,7 +4288,7 @@
                   <a:srgbClr val="000000"/>
                 </a:solidFill>
               </a:rPr>
-              <a:t>496-510</a:t>
+              <a:t>481-495</a:t>
             </a:r>
             <a:endParaRPr lang="en-US" sz="2400" dirty="0"/>
           </a:p>
